--- a/keras_and_object_detection_practice_4/ResNet50_Marushkai.pptx
+++ b/keras_and_object_detection_practice_4/ResNet50_Marushkai.pptx
@@ -111,6 +111,11 @@
       </a:defRPr>
     </a:lvl9pPr>
   </p:defaultTextStyle>
+  <p:extLst>
+    <p:ext uri="{EFAFB233-063F-42B5-8137-9DF3F51BA10A}">
+      <p15:sldGuideLst xmlns:p15="http://schemas.microsoft.com/office/powerpoint/2012/main"/>
+    </p:ext>
+  </p:extLst>
 </p:presentation>
 </file>
 
@@ -290,7 +295,7 @@
           <a:p>
             <a:fld id="{11ECC1E3-3D96-4C2F-8967-19D6CDC6AA4D}" type="datetimeFigureOut">
               <a:rPr lang="ru-RU" smtClean="0"/>
-              <a:t>04.12.2018</a:t>
+              <a:t>05.12.2018</a:t>
             </a:fld>
             <a:endParaRPr lang="ru-RU"/>
           </a:p>
@@ -460,7 +465,7 @@
           <a:p>
             <a:fld id="{11ECC1E3-3D96-4C2F-8967-19D6CDC6AA4D}" type="datetimeFigureOut">
               <a:rPr lang="ru-RU" smtClean="0"/>
-              <a:t>04.12.2018</a:t>
+              <a:t>05.12.2018</a:t>
             </a:fld>
             <a:endParaRPr lang="ru-RU"/>
           </a:p>
@@ -683,7 +688,7 @@
           <a:p>
             <a:fld id="{11ECC1E3-3D96-4C2F-8967-19D6CDC6AA4D}" type="datetimeFigureOut">
               <a:rPr lang="ru-RU" smtClean="0"/>
-              <a:t>04.12.2018</a:t>
+              <a:t>05.12.2018</a:t>
             </a:fld>
             <a:endParaRPr lang="ru-RU"/>
           </a:p>
@@ -863,7 +868,7 @@
           <a:p>
             <a:fld id="{11ECC1E3-3D96-4C2F-8967-19D6CDC6AA4D}" type="datetimeFigureOut">
               <a:rPr lang="ru-RU" smtClean="0"/>
-              <a:t>04.12.2018</a:t>
+              <a:t>05.12.2018</a:t>
             </a:fld>
             <a:endParaRPr lang="ru-RU"/>
           </a:p>
@@ -1169,7 +1174,7 @@
           <a:p>
             <a:fld id="{11ECC1E3-3D96-4C2F-8967-19D6CDC6AA4D}" type="datetimeFigureOut">
               <a:rPr lang="ru-RU" smtClean="0"/>
-              <a:t>04.12.2018</a:t>
+              <a:t>05.12.2018</a:t>
             </a:fld>
             <a:endParaRPr lang="ru-RU"/>
           </a:p>
@@ -1473,7 +1478,7 @@
           <a:p>
             <a:fld id="{11ECC1E3-3D96-4C2F-8967-19D6CDC6AA4D}" type="datetimeFigureOut">
               <a:rPr lang="ru-RU" smtClean="0"/>
-              <a:t>04.12.2018</a:t>
+              <a:t>05.12.2018</a:t>
             </a:fld>
             <a:endParaRPr lang="ru-RU"/>
           </a:p>
@@ -1895,7 +1900,7 @@
           <a:p>
             <a:fld id="{11ECC1E3-3D96-4C2F-8967-19D6CDC6AA4D}" type="datetimeFigureOut">
               <a:rPr lang="ru-RU" smtClean="0"/>
-              <a:t>04.12.2018</a:t>
+              <a:t>05.12.2018</a:t>
             </a:fld>
             <a:endParaRPr lang="ru-RU"/>
           </a:p>
@@ -2013,7 +2018,7 @@
           <a:p>
             <a:fld id="{11ECC1E3-3D96-4C2F-8967-19D6CDC6AA4D}" type="datetimeFigureOut">
               <a:rPr lang="ru-RU" smtClean="0"/>
-              <a:t>04.12.2018</a:t>
+              <a:t>05.12.2018</a:t>
             </a:fld>
             <a:endParaRPr lang="ru-RU"/>
           </a:p>
@@ -2108,7 +2113,7 @@
           <a:p>
             <a:fld id="{11ECC1E3-3D96-4C2F-8967-19D6CDC6AA4D}" type="datetimeFigureOut">
               <a:rPr lang="ru-RU" smtClean="0"/>
-              <a:t>04.12.2018</a:t>
+              <a:t>05.12.2018</a:t>
             </a:fld>
             <a:endParaRPr lang="ru-RU"/>
           </a:p>
@@ -2381,7 +2386,7 @@
           <a:p>
             <a:fld id="{11ECC1E3-3D96-4C2F-8967-19D6CDC6AA4D}" type="datetimeFigureOut">
               <a:rPr lang="ru-RU" smtClean="0"/>
-              <a:t>04.12.2018</a:t>
+              <a:t>05.12.2018</a:t>
             </a:fld>
             <a:endParaRPr lang="ru-RU"/>
           </a:p>
@@ -2646,7 +2651,7 @@
           <a:p>
             <a:fld id="{11ECC1E3-3D96-4C2F-8967-19D6CDC6AA4D}" type="datetimeFigureOut">
               <a:rPr lang="ru-RU" smtClean="0"/>
-              <a:t>04.12.2018</a:t>
+              <a:t>05.12.2018</a:t>
             </a:fld>
             <a:endParaRPr lang="ru-RU"/>
           </a:p>
@@ -2895,7 +2900,7 @@
           <a:p>
             <a:fld id="{11ECC1E3-3D96-4C2F-8967-19D6CDC6AA4D}" type="datetimeFigureOut">
               <a:rPr lang="ru-RU" smtClean="0"/>
-              <a:t>04.12.2018</a:t>
+              <a:t>05.12.2018</a:t>
             </a:fld>
             <a:endParaRPr lang="ru-RU"/>
           </a:p>
@@ -4211,7 +4216,34 @@
             </a:r>
             <a:r>
               <a:rPr lang="en-US" dirty="0" smtClean="0"/>
-              <a:t> in it’s variations is one of the best deep convolutional network models, developed for Image recognition. This model was a revolution in deep CNNs, because it’s made possible to create deeper networks without great increasing in optimization difficulty, and making neural networks do not over fit, while simply stacking layers. That was possible by introducing new kind of connections between layers – residual connections and identity mapping (layers, which doesn’t do anything). </a:t>
+              <a:t> in it’s variations is one of the best deep convolutional network models, developed for Image recognition. </a:t>
+            </a:r>
+            <a:endParaRPr lang="ru-RU" dirty="0" smtClean="0"/>
+          </a:p>
+          <a:p>
+            <a:r>
+              <a:rPr lang="en-US" dirty="0" smtClean="0"/>
+              <a:t>This </a:t>
+            </a:r>
+            <a:r>
+              <a:rPr lang="en-US" dirty="0" smtClean="0"/>
+              <a:t>model was a revolution in deep CNNs, because it’s made possible to create deeper networks without great increasing in optimization difficulty, and making neural </a:t>
+            </a:r>
+            <a:r>
+              <a:rPr lang="en-US" dirty="0" smtClean="0"/>
+              <a:t>network which doesn’t </a:t>
+            </a:r>
+            <a:r>
+              <a:rPr lang="en-US" dirty="0" smtClean="0"/>
+              <a:t>over fit, </a:t>
+            </a:r>
+            <a:r>
+              <a:rPr lang="en-US" dirty="0" smtClean="0"/>
+              <a:t>how it was when they used to simply stack </a:t>
+            </a:r>
+            <a:r>
+              <a:rPr lang="en-US" dirty="0" smtClean="0"/>
+              <a:t>layers. That was possible by introducing new kind of connections between layers – residual connections and identity mapping (layers, which doesn’t do anything). </a:t>
             </a:r>
             <a:r>
               <a:rPr lang="en-US" dirty="0"/>
@@ -4226,7 +4258,7 @@
               <a:t>ResNet</a:t>
             </a:r>
             <a:r>
-              <a:rPr lang="en-US" smtClean="0"/>
+              <a:rPr lang="en-US" dirty="0" smtClean="0"/>
               <a:t>.</a:t>
             </a:r>
             <a:endParaRPr lang="ru-RU" dirty="0"/>
